--- a/iotschema-20190620.pptx
+++ b/iotschema-20190620.pptx
@@ -3124,7 +3124,7 @@
           <a:lstStyle/>
           <a:p>
             <a:r>
-              <a:rPr lang="en-US" smtClean="0"/>
+              <a:rPr lang="en-US" dirty="0" smtClean="0"/>
               <a:t>Status and Updates</a:t>
             </a:r>
             <a:endParaRPr lang="en-US" dirty="0"/>
@@ -3330,8 +3330,8 @@
         </p:nvSpPr>
         <p:spPr>
           <a:xfrm>
-            <a:off x="628650" y="1212706"/>
-            <a:ext cx="7886700" cy="5063402"/>
+            <a:off x="628650" y="1243879"/>
+            <a:ext cx="7886700" cy="5614121"/>
           </a:xfrm>
         </p:spPr>
         <p:txBody>
@@ -3346,15 +3346,7 @@
           <a:p>
             <a:r>
               <a:rPr lang="en-US" dirty="0" smtClean="0"/>
-              <a:t>The JSON DSL (Simple Definition Format </a:t>
-            </a:r>
-            <a:r>
-              <a:rPr lang="mr-IN" dirty="0" smtClean="0"/>
-              <a:t>–</a:t>
-            </a:r>
-            <a:r>
-              <a:rPr lang="en-US" dirty="0" smtClean="0"/>
-              <a:t> SDF) and vocabulary are more stable now and some examples are being generated</a:t>
+              <a:t>The JSON DSL (SDF) and vocabulary are stable now and examples are being generated</a:t>
             </a:r>
           </a:p>
           <a:p>
@@ -3400,6 +3392,15 @@
               <a:rPr lang="en-US" dirty="0" smtClean="0"/>
               <a:t>Tools work is in progress</a:t>
             </a:r>
+          </a:p>
+          <a:p>
+            <a:r>
+              <a:rPr lang="en-US" dirty="0">
+                <a:hlinkClick r:id="rId2"/>
+              </a:rPr>
+              <a:t>https://github.com/mjkoster/ODM-Examples</a:t>
+            </a:r>
+            <a:endParaRPr lang="en-US" dirty="0" smtClean="0"/>
           </a:p>
           <a:p>
             <a:endParaRPr lang="en-US" dirty="0"/>
